--- a/voorstellen.pptx
+++ b/voorstellen.pptx
@@ -8911,7 +8911,7 @@
           <a:p>
             <a:fld id="{0F9E9023-FC40-41FB-8DBA-28C3B241B59F}" type="datetimeFigureOut">
               <a:rPr lang="nl-NL" smtClean="0"/>
-              <a:t>28-4-2016</a:t>
+              <a:t>29-4-2016</a:t>
             </a:fld>
             <a:endParaRPr lang="nl-NL"/>
           </a:p>
@@ -9118,7 +9118,7 @@
           <a:p>
             <a:fld id="{0F9E9023-FC40-41FB-8DBA-28C3B241B59F}" type="datetimeFigureOut">
               <a:rPr lang="nl-NL" smtClean="0"/>
-              <a:t>28-4-2016</a:t>
+              <a:t>29-4-2016</a:t>
             </a:fld>
             <a:endParaRPr lang="nl-NL"/>
           </a:p>
@@ -9298,7 +9298,7 @@
           <a:p>
             <a:fld id="{0F9E9023-FC40-41FB-8DBA-28C3B241B59F}" type="datetimeFigureOut">
               <a:rPr lang="nl-NL" smtClean="0"/>
-              <a:t>28-4-2016</a:t>
+              <a:t>29-4-2016</a:t>
             </a:fld>
             <a:endParaRPr lang="nl-NL"/>
           </a:p>
@@ -9503,7 +9503,7 @@
           <a:p>
             <a:fld id="{0F9E9023-FC40-41FB-8DBA-28C3B241B59F}" type="datetimeFigureOut">
               <a:rPr lang="nl-NL" smtClean="0"/>
-              <a:t>28-4-2016</a:t>
+              <a:t>29-4-2016</a:t>
             </a:fld>
             <a:endParaRPr lang="nl-NL"/>
           </a:p>
@@ -18401,7 +18401,7 @@
           <a:p>
             <a:fld id="{0F9E9023-FC40-41FB-8DBA-28C3B241B59F}" type="datetimeFigureOut">
               <a:rPr lang="nl-NL" smtClean="0"/>
-              <a:t>28-4-2016</a:t>
+              <a:t>29-4-2016</a:t>
             </a:fld>
             <a:endParaRPr lang="nl-NL"/>
           </a:p>
@@ -18675,7 +18675,7 @@
           <a:p>
             <a:fld id="{0F9E9023-FC40-41FB-8DBA-28C3B241B59F}" type="datetimeFigureOut">
               <a:rPr lang="nl-NL" smtClean="0"/>
-              <a:t>28-4-2016</a:t>
+              <a:t>29-4-2016</a:t>
             </a:fld>
             <a:endParaRPr lang="nl-NL"/>
           </a:p>
@@ -19073,7 +19073,7 @@
           <a:p>
             <a:fld id="{0F9E9023-FC40-41FB-8DBA-28C3B241B59F}" type="datetimeFigureOut">
               <a:rPr lang="nl-NL" smtClean="0"/>
-              <a:t>28-4-2016</a:t>
+              <a:t>29-4-2016</a:t>
             </a:fld>
             <a:endParaRPr lang="nl-NL"/>
           </a:p>
@@ -19191,7 +19191,7 @@
           <a:p>
             <a:fld id="{0F9E9023-FC40-41FB-8DBA-28C3B241B59F}" type="datetimeFigureOut">
               <a:rPr lang="nl-NL" smtClean="0"/>
-              <a:t>28-4-2016</a:t>
+              <a:t>29-4-2016</a:t>
             </a:fld>
             <a:endParaRPr lang="nl-NL"/>
           </a:p>
@@ -19286,7 +19286,7 @@
           <a:p>
             <a:fld id="{0F9E9023-FC40-41FB-8DBA-28C3B241B59F}" type="datetimeFigureOut">
               <a:rPr lang="nl-NL" smtClean="0"/>
-              <a:t>28-4-2016</a:t>
+              <a:t>29-4-2016</a:t>
             </a:fld>
             <a:endParaRPr lang="nl-NL"/>
           </a:p>
@@ -19576,7 +19576,7 @@
           <a:p>
             <a:fld id="{0F9E9023-FC40-41FB-8DBA-28C3B241B59F}" type="datetimeFigureOut">
               <a:rPr lang="nl-NL" smtClean="0"/>
-              <a:t>28-4-2016</a:t>
+              <a:t>29-4-2016</a:t>
             </a:fld>
             <a:endParaRPr lang="nl-NL"/>
           </a:p>
@@ -19856,7 +19856,7 @@
           <a:p>
             <a:fld id="{0F9E9023-FC40-41FB-8DBA-28C3B241B59F}" type="datetimeFigureOut">
               <a:rPr lang="nl-NL" smtClean="0"/>
-              <a:t>28-4-2016</a:t>
+              <a:t>29-4-2016</a:t>
             </a:fld>
             <a:endParaRPr lang="nl-NL"/>
           </a:p>
@@ -20106,7 +20106,7 @@
           <a:p>
             <a:fld id="{0F9E9023-FC40-41FB-8DBA-28C3B241B59F}" type="datetimeFigureOut">
               <a:rPr lang="nl-NL" smtClean="0"/>
-              <a:t>28-4-2016</a:t>
+              <a:t>29-4-2016</a:t>
             </a:fld>
             <a:endParaRPr lang="nl-NL"/>
           </a:p>
@@ -20806,11 +20806,18 @@
               <a:rPr lang="nl-NL" sz="2800" dirty="0" smtClean="0"/>
               <a:t>Toestandsruimte:	</a:t>
             </a:r>
+            <a:endParaRPr lang="nl-NL" sz="2800" dirty="0" smtClean="0"/>
+          </a:p>
+          <a:p>
+            <a:pPr lvl="2">
+              <a:buFont typeface="Wingdings" panose="05000000000000000000" pitchFamily="2" charset="2"/>
+              <a:buChar char="v"/>
+            </a:pPr>
             <a:r>
-              <a:rPr lang="nl-NL" sz="2800" b="1" u="sng" dirty="0" smtClean="0"/>
-              <a:t>6.4e227</a:t>
+              <a:rPr lang="nl-NL" sz="2000" dirty="0" smtClean="0"/>
+              <a:t>124!/16! = 7.2e193</a:t>
             </a:r>
-            <a:endParaRPr lang="nl-NL" sz="2800" b="1" u="sng" dirty="0"/>
+            <a:endParaRPr lang="nl-NL" sz="2000" b="1" u="sng" dirty="0"/>
           </a:p>
         </p:txBody>
       </p:sp>
@@ -20966,17 +20973,8 @@
             </a:pPr>
             <a:r>
               <a:rPr lang="nl-NL" sz="2900" dirty="0" smtClean="0"/>
-              <a:t>Les </a:t>
+              <a:t>Les activiteiten beste als verdeelt. Max verdeling levert 20 punten op</a:t>
             </a:r>
-            <a:r>
-              <a:rPr lang="nl-NL" sz="2900" dirty="0" smtClean="0"/>
-              <a:t>activiteiten beste als verdeelt. Max verdeling levert 20 punten </a:t>
-            </a:r>
-            <a:r>
-              <a:rPr lang="nl-NL" sz="2900" dirty="0" smtClean="0"/>
-              <a:t>op</a:t>
-            </a:r>
-            <a:endParaRPr lang="nl-NL" sz="2900" dirty="0" smtClean="0"/>
           </a:p>
           <a:p>
             <a:pPr lvl="2">
@@ -20985,11 +20983,7 @@
             </a:pPr>
             <a:r>
               <a:rPr lang="nl-NL" sz="2900" dirty="0" smtClean="0"/>
-              <a:t>2 </a:t>
-            </a:r>
-            <a:r>
-              <a:rPr lang="nl-NL" sz="2900" dirty="0" smtClean="0"/>
-              <a:t>activiteiten = ma-do of di-vr</a:t>
+              <a:t>2 activiteiten = ma-do of di-vr</a:t>
             </a:r>
           </a:p>
           <a:p>
@@ -21124,15 +21118,7 @@
             </a:r>
             <a:r>
               <a:rPr lang="nl-NL" sz="2900" dirty="0" smtClean="0"/>
-              <a:t>van </a:t>
-            </a:r>
-            <a:r>
-              <a:rPr lang="nl-NL" sz="2900" dirty="0" smtClean="0"/>
-              <a:t>17:00-19:00</a:t>
-            </a:r>
-            <a:r>
-              <a:rPr lang="nl-NL" sz="2900" dirty="0" smtClean="0"/>
-              <a:t>, maar = 50 </a:t>
+              <a:t>van 17:00-19:00, maar = 50 </a:t>
             </a:r>
             <a:r>
               <a:rPr lang="nl-NL" sz="2900" dirty="0"/>
